--- a/docs/diagrams/WhiteBlackDiagrams/LogicComponentSequenceDiagram.pptx
+++ b/docs/diagrams/WhiteBlackDiagrams/LogicComponentSequenceDiagram.pptx
@@ -3447,7 +3447,7 @@
           <p:cNvPr id="3" name="Group 2">
             <a:extLst>
               <a:ext uri="{FF2B5EF4-FFF2-40B4-BE49-F238E27FC236}">
-                <a16:creationId xmlns:a16="http://schemas.microsoft.com/office/drawing/2014/main" id="{F062B93A-C4EB-9D42-BEA3-9A1861A12BBB}"/>
+                <a16:creationId xmlns:a16="http://schemas.microsoft.com/office/drawing/2014/main" id="{D5F536E3-6D5C-6944-A640-A54ADAB5B5C5}"/>
               </a:ext>
             </a:extLst>
           </p:cNvPr>
@@ -3456,10 +3456,10 @@
         </p:nvGrpSpPr>
         <p:grpSpPr>
           <a:xfrm>
-            <a:off x="13613" y="1981200"/>
-            <a:ext cx="9054187" cy="3810000"/>
-            <a:chOff x="13956" y="1981200"/>
-            <a:chExt cx="9282444" cy="4000286"/>
+            <a:off x="-1" y="1981200"/>
+            <a:ext cx="9296401" cy="4000286"/>
+            <a:chOff x="-1" y="1981200"/>
+            <a:chExt cx="9296401" cy="4000286"/>
           </a:xfrm>
         </p:grpSpPr>
         <p:sp>
@@ -3636,7 +3636,9 @@
             <a:prstGeom prst="rect">
               <a:avLst/>
             </a:prstGeom>
-            <a:noFill/>
+            <a:solidFill>
+              <a:schemeClr val="bg1"/>
+            </a:solidFill>
             <a:ln>
               <a:solidFill>
                 <a:schemeClr val="tx1"/>
@@ -3803,7 +3805,9 @@
             <a:prstGeom prst="rect">
               <a:avLst/>
             </a:prstGeom>
-            <a:noFill/>
+            <a:solidFill>
+              <a:schemeClr val="bg1"/>
+            </a:solidFill>
             <a:ln>
               <a:solidFill>
                 <a:schemeClr val="tx1"/>
@@ -3846,8 +3850,8 @@
           </p:nvSpPr>
           <p:spPr>
             <a:xfrm>
-              <a:off x="6221564" y="3312740"/>
-              <a:ext cx="1555757" cy="461539"/>
+              <a:off x="6221565" y="3312740"/>
+              <a:ext cx="1322235" cy="461538"/>
             </a:xfrm>
             <a:prstGeom prst="rect">
               <a:avLst/>
@@ -3963,7 +3967,9 @@
             <a:prstGeom prst="rect">
               <a:avLst/>
             </a:prstGeom>
-            <a:noFill/>
+            <a:solidFill>
+              <a:schemeClr val="bg1"/>
+            </a:solidFill>
             <a:ln>
               <a:solidFill>
                 <a:schemeClr val="tx1"/>
@@ -4078,17 +4084,15 @@
           </p:nvSpPr>
           <p:spPr>
             <a:xfrm>
-              <a:off x="13956" y="2742887"/>
-              <a:ext cx="1538526" cy="226204"/>
+              <a:off x="-1" y="2743200"/>
+              <a:ext cx="1500851" cy="215444"/>
             </a:xfrm>
             <a:prstGeom prst="rect">
               <a:avLst/>
             </a:prstGeom>
             <a:noFill/>
             <a:ln>
-              <a:solidFill>
-                <a:schemeClr val="bg1"/>
-              </a:solidFill>
+              <a:noFill/>
             </a:ln>
           </p:spPr>
           <p:txBody>
@@ -4165,9 +4169,7 @@
             </a:prstGeom>
             <a:noFill/>
             <a:ln>
-              <a:solidFill>
-                <a:schemeClr val="bg1"/>
-              </a:solidFill>
+              <a:noFill/>
             </a:ln>
           </p:spPr>
           <p:txBody>
@@ -4419,7 +4421,9 @@
             <a:prstGeom prst="rect">
               <a:avLst/>
             </a:prstGeom>
-            <a:noFill/>
+            <a:solidFill>
+              <a:schemeClr val="bg1"/>
+            </a:solidFill>
             <a:ln>
               <a:solidFill>
                 <a:schemeClr val="tx1"/>
@@ -4505,7 +4509,9 @@
             <a:prstGeom prst="rect">
               <a:avLst/>
             </a:prstGeom>
-            <a:noFill/>
+            <a:solidFill>
+              <a:schemeClr val="bg1"/>
+            </a:solidFill>
             <a:ln>
               <a:solidFill>
                 <a:schemeClr val="tx1"/>
@@ -4661,16 +4667,14 @@
           <p:spPr>
             <a:xfrm>
               <a:off x="6984957" y="4267200"/>
-              <a:ext cx="1424846" cy="226204"/>
+              <a:ext cx="1424846" cy="215444"/>
             </a:xfrm>
             <a:prstGeom prst="rect">
               <a:avLst/>
             </a:prstGeom>
             <a:noFill/>
             <a:ln>
-              <a:solidFill>
-                <a:schemeClr val="tx1"/>
-              </a:solidFill>
+              <a:noFill/>
             </a:ln>
           </p:spPr>
           <p:txBody>
@@ -4704,7 +4708,7 @@
                     <a:schemeClr val="tx1"/>
                   </a:solidFill>
                 </a:rPr>
-                <a:t>(p)</a:t>
+                <a:t>(c)</a:t>
               </a:r>
             </a:p>
           </p:txBody>
@@ -4725,9 +4729,7 @@
             </a:prstGeom>
             <a:noFill/>
             <a:ln>
-              <a:solidFill>
-                <a:schemeClr val="bg1"/>
-              </a:solidFill>
+              <a:noFill/>
             </a:ln>
           </p:spPr>
           <p:txBody>
@@ -4767,16 +4769,14 @@
           <p:spPr>
             <a:xfrm>
               <a:off x="1742982" y="2850922"/>
-              <a:ext cx="1424846" cy="226204"/>
+              <a:ext cx="1424846" cy="215444"/>
             </a:xfrm>
             <a:prstGeom prst="rect">
               <a:avLst/>
             </a:prstGeom>
             <a:noFill/>
             <a:ln>
-              <a:solidFill>
-                <a:schemeClr val="bg1"/>
-              </a:solidFill>
+              <a:noFill/>
             </a:ln>
           </p:spPr>
           <p:txBody>
@@ -4839,9 +4839,7 @@
             </a:prstGeom>
             <a:noFill/>
             <a:ln>
-              <a:solidFill>
-                <a:schemeClr val="bg1"/>
-              </a:solidFill>
+              <a:noFill/>
             </a:ln>
           </p:spPr>
           <p:txBody>
@@ -4888,9 +4886,7 @@
             </a:prstGeom>
             <a:noFill/>
             <a:ln>
-              <a:solidFill>
-                <a:schemeClr val="bg1"/>
-              </a:solidFill>
+              <a:noFill/>
             </a:ln>
           </p:spPr>
           <p:txBody>
@@ -4929,8 +4925,8 @@
           </p:nvSpPr>
           <p:spPr>
             <a:xfrm>
-              <a:off x="7020246" y="4777287"/>
-              <a:ext cx="1666554" cy="461539"/>
+              <a:off x="7020246" y="4777286"/>
+              <a:ext cx="1590354" cy="461538"/>
             </a:xfrm>
             <a:prstGeom prst="rect">
               <a:avLst/>
@@ -5081,17 +5077,15 @@
           </p:nvSpPr>
           <p:spPr>
             <a:xfrm>
-              <a:off x="2673845" y="4017015"/>
-              <a:ext cx="220343" cy="236988"/>
+              <a:off x="2673845" y="4027787"/>
+              <a:ext cx="220343" cy="215444"/>
             </a:xfrm>
             <a:prstGeom prst="rect">
               <a:avLst/>
             </a:prstGeom>
             <a:noFill/>
             <a:ln>
-              <a:solidFill>
-                <a:schemeClr val="bg1"/>
-              </a:solidFill>
+              <a:noFill/>
             </a:ln>
           </p:spPr>
           <p:txBody>
@@ -5131,7 +5125,7 @@
           <p:spPr>
             <a:xfrm>
               <a:off x="4231981" y="2929839"/>
-              <a:ext cx="2095821" cy="432035"/>
+              <a:ext cx="1947629" cy="432035"/>
             </a:xfrm>
             <a:prstGeom prst="rect">
               <a:avLst/>
@@ -5172,14 +5166,14 @@
                 <a:t>:</a:t>
               </a:r>
               <a:r>
-                <a:rPr lang="en-US" sz="1600" dirty="0" err="1">
+                <a:rPr lang="en-US" sz="1500" dirty="0" err="1">
                   <a:solidFill>
                     <a:schemeClr val="tx1"/>
                   </a:solidFill>
                 </a:rPr>
                 <a:t>DeleteCardCommand</a:t>
               </a:r>
-              <a:endParaRPr lang="en-US" sz="1600" dirty="0">
+              <a:endParaRPr lang="en-US" sz="1500" dirty="0">
                 <a:solidFill>
                   <a:schemeClr val="tx1"/>
                 </a:solidFill>
@@ -5188,14 +5182,14 @@
             <a:p>
               <a:pPr algn="ctr"/>
               <a:r>
-                <a:rPr lang="en-US" sz="1600" dirty="0">
+                <a:rPr lang="en-US" sz="1500" dirty="0">
                   <a:solidFill>
                     <a:schemeClr val="tx1"/>
                   </a:solidFill>
                 </a:rPr>
                 <a:t>Parser</a:t>
               </a:r>
-              <a:endParaRPr lang="en-SG" sz="1600" dirty="0">
+              <a:endParaRPr lang="en-SG" sz="1500" dirty="0">
                 <a:solidFill>
                   <a:schemeClr val="tx1"/>
                 </a:solidFill>
@@ -5534,8 +5528,8 @@
           </p:nvSpPr>
           <p:spPr>
             <a:xfrm>
-              <a:off x="5045411" y="4232120"/>
-              <a:ext cx="234913" cy="196551"/>
+              <a:off x="5033665" y="4199590"/>
+              <a:ext cx="258404" cy="261610"/>
             </a:xfrm>
             <a:prstGeom prst="rect">
               <a:avLst/>
@@ -5543,7 +5537,7 @@
             <a:noFill/>
             <a:ln>
               <a:solidFill>
-                <a:schemeClr val="bg1"/>
+                <a:schemeClr val="tx1"/>
               </a:solidFill>
             </a:ln>
           </p:spPr>
